--- a/R1_Presentation_Team1/11. R1_Source code sample & Github Repo slides_Team 1.pptx
+++ b/R1_Presentation_Team1/11. R1_Source code sample & Github Repo slides_Team 1.pptx
@@ -263,7 +263,7 @@
           <a:p>
             <a:fld id="{382EDE90-F4CD-428E-B2BB-2034AF00CF62}" type="datetimeFigureOut">
               <a:rPr lang="en-US" smtClean="0"/>
-              <a:t>3/25/2021</a:t>
+              <a:t>3/26/21</a:t>
             </a:fld>
             <a:endParaRPr lang="en-US"/>
           </a:p>
@@ -433,7 +433,7 @@
           <a:p>
             <a:fld id="{382EDE90-F4CD-428E-B2BB-2034AF00CF62}" type="datetimeFigureOut">
               <a:rPr lang="en-US" smtClean="0"/>
-              <a:t>3/25/2021</a:t>
+              <a:t>3/26/21</a:t>
             </a:fld>
             <a:endParaRPr lang="en-US"/>
           </a:p>
@@ -613,7 +613,7 @@
           <a:p>
             <a:fld id="{382EDE90-F4CD-428E-B2BB-2034AF00CF62}" type="datetimeFigureOut">
               <a:rPr lang="en-US" smtClean="0"/>
-              <a:t>3/25/2021</a:t>
+              <a:t>3/26/21</a:t>
             </a:fld>
             <a:endParaRPr lang="en-US"/>
           </a:p>
@@ -783,7 +783,7 @@
           <a:p>
             <a:fld id="{382EDE90-F4CD-428E-B2BB-2034AF00CF62}" type="datetimeFigureOut">
               <a:rPr lang="en-US" smtClean="0"/>
-              <a:t>3/25/2021</a:t>
+              <a:t>3/26/21</a:t>
             </a:fld>
             <a:endParaRPr lang="en-US"/>
           </a:p>
@@ -1029,7 +1029,7 @@
           <a:p>
             <a:fld id="{382EDE90-F4CD-428E-B2BB-2034AF00CF62}" type="datetimeFigureOut">
               <a:rPr lang="en-US" smtClean="0"/>
-              <a:t>3/25/2021</a:t>
+              <a:t>3/26/21</a:t>
             </a:fld>
             <a:endParaRPr lang="en-US"/>
           </a:p>
@@ -1261,7 +1261,7 @@
           <a:p>
             <a:fld id="{382EDE90-F4CD-428E-B2BB-2034AF00CF62}" type="datetimeFigureOut">
               <a:rPr lang="en-US" smtClean="0"/>
-              <a:t>3/25/2021</a:t>
+              <a:t>3/26/21</a:t>
             </a:fld>
             <a:endParaRPr lang="en-US"/>
           </a:p>
@@ -1628,7 +1628,7 @@
           <a:p>
             <a:fld id="{382EDE90-F4CD-428E-B2BB-2034AF00CF62}" type="datetimeFigureOut">
               <a:rPr lang="en-US" smtClean="0"/>
-              <a:t>3/25/2021</a:t>
+              <a:t>3/26/21</a:t>
             </a:fld>
             <a:endParaRPr lang="en-US"/>
           </a:p>
@@ -1746,7 +1746,7 @@
           <a:p>
             <a:fld id="{382EDE90-F4CD-428E-B2BB-2034AF00CF62}" type="datetimeFigureOut">
               <a:rPr lang="en-US" smtClean="0"/>
-              <a:t>3/25/2021</a:t>
+              <a:t>3/26/21</a:t>
             </a:fld>
             <a:endParaRPr lang="en-US"/>
           </a:p>
@@ -1841,7 +1841,7 @@
           <a:p>
             <a:fld id="{382EDE90-F4CD-428E-B2BB-2034AF00CF62}" type="datetimeFigureOut">
               <a:rPr lang="en-US" smtClean="0"/>
-              <a:t>3/25/2021</a:t>
+              <a:t>3/26/21</a:t>
             </a:fld>
             <a:endParaRPr lang="en-US"/>
           </a:p>
@@ -2118,7 +2118,7 @@
           <a:p>
             <a:fld id="{382EDE90-F4CD-428E-B2BB-2034AF00CF62}" type="datetimeFigureOut">
               <a:rPr lang="en-US" smtClean="0"/>
-              <a:t>3/25/2021</a:t>
+              <a:t>3/26/21</a:t>
             </a:fld>
             <a:endParaRPr lang="en-US"/>
           </a:p>
@@ -2375,7 +2375,7 @@
           <a:p>
             <a:fld id="{382EDE90-F4CD-428E-B2BB-2034AF00CF62}" type="datetimeFigureOut">
               <a:rPr lang="en-US" smtClean="0"/>
-              <a:t>3/25/2021</a:t>
+              <a:t>3/26/21</a:t>
             </a:fld>
             <a:endParaRPr lang="en-US"/>
           </a:p>
@@ -2588,7 +2588,7 @@
           <a:p>
             <a:fld id="{382EDE90-F4CD-428E-B2BB-2034AF00CF62}" type="datetimeFigureOut">
               <a:rPr lang="en-US" smtClean="0"/>
-              <a:t>3/25/2021</a:t>
+              <a:t>3/26/21</a:t>
             </a:fld>
             <a:endParaRPr lang="en-US"/>
           </a:p>
@@ -4468,21 +4468,19 @@
       </p:sp>
       <p:pic>
         <p:nvPicPr>
-          <p:cNvPr id="7" name="Content Placeholder 6" descr="Graphical user interface, text, application, email, website&#10;&#10;Description automatically generated">
+          <p:cNvPr id="4" name="Picture 3" descr="A screenshot of a computer&#10;&#10;Description automatically generated">
             <a:extLst>
               <a:ext uri="{FF2B5EF4-FFF2-40B4-BE49-F238E27FC236}">
-                <a16:creationId xmlns:a16="http://schemas.microsoft.com/office/drawing/2014/main" id="{0D08AAAE-14B2-467D-8C79-7470001B207E}"/>
+                <a16:creationId xmlns:a16="http://schemas.microsoft.com/office/drawing/2014/main" id="{776C08D4-DF6E-E140-B1A6-E672EFA8D062}"/>
               </a:ext>
             </a:extLst>
           </p:cNvPr>
           <p:cNvPicPr>
-            <a:picLocks noGrp="1" noChangeAspect="1"/>
+            <a:picLocks noChangeAspect="1"/>
           </p:cNvPicPr>
-          <p:nvPr>
-            <p:ph idx="1"/>
-          </p:nvPr>
+          <p:nvPr/>
         </p:nvPicPr>
-        <p:blipFill>
+        <p:blipFill rotWithShape="1">
           <a:blip r:embed="rId2">
             <a:extLst>
               <a:ext uri="{28A0092B-C50C-407E-A947-70E740481C1C}">
@@ -4490,17 +4488,52 @@
               </a:ext>
             </a:extLst>
           </a:blip>
-          <a:stretch>
-            <a:fillRect/>
-          </a:stretch>
+          <a:srcRect l="-2424" t="-1460" r="34693" b="9881"/>
+          <a:stretch/>
         </p:blipFill>
         <p:spPr>
           <a:xfrm>
-            <a:off x="904875" y="1466850"/>
-            <a:ext cx="10515599" cy="4972050"/>
-          </a:xfrm>
+            <a:off x="2345787" y="1690688"/>
+            <a:ext cx="7500425" cy="4855472"/>
+          </a:xfrm>
+          <a:prstGeom prst="rect">
+            <a:avLst/>
+          </a:prstGeom>
         </p:spPr>
       </p:pic>
+      <p:sp>
+        <p:nvSpPr>
+          <p:cNvPr id="6" name="Content Placeholder 5">
+            <a:extLst>
+              <a:ext uri="{FF2B5EF4-FFF2-40B4-BE49-F238E27FC236}">
+                <a16:creationId xmlns:a16="http://schemas.microsoft.com/office/drawing/2014/main" id="{B53E3F8E-2D22-4341-B1A7-CE8C4F3918FE}"/>
+              </a:ext>
+            </a:extLst>
+          </p:cNvPr>
+          <p:cNvSpPr>
+            <a:spLocks noGrp="1"/>
+          </p:cNvSpPr>
+          <p:nvPr>
+            <p:ph idx="1"/>
+          </p:nvPr>
+        </p:nvSpPr>
+        <p:spPr>
+          <a:xfrm>
+            <a:off x="838200" y="8268628"/>
+            <a:ext cx="10515600" cy="4351338"/>
+          </a:xfrm>
+        </p:spPr>
+        <p:txBody>
+          <a:bodyPr/>
+          <a:lstStyle/>
+          <a:p>
+            <a:pPr marL="0" indent="0">
+              <a:buNone/>
+            </a:pPr>
+            <a:endParaRPr lang="en-US" dirty="0"/>
+          </a:p>
+        </p:txBody>
+      </p:sp>
     </p:spTree>
     <p:extLst>
       <p:ext uri="{BB962C8B-B14F-4D97-AF65-F5344CB8AC3E}">
